--- a/UI.pptx
+++ b/UI.pptx
@@ -203,7 +203,7 @@
           <a:p>
             <a:fld id="{A86A007C-C903-4EF0-BE94-3182177B8484}" type="datetimeFigureOut">
               <a:rPr lang="ko-KR" altLang="en-US" smtClean="0"/>
-              <a:t>2024-04-08</a:t>
+              <a:t>2024-04-09</a:t>
             </a:fld>
             <a:endParaRPr lang="ko-KR" altLang="en-US"/>
           </a:p>
@@ -617,7 +617,7 @@
           <a:p>
             <a:fld id="{47B96A34-AEF8-40E7-AE80-A7B27F113FFA}" type="datetimeFigureOut">
               <a:rPr lang="ko-KR" altLang="en-US" smtClean="0"/>
-              <a:t>2024-04-08</a:t>
+              <a:t>2024-04-09</a:t>
             </a:fld>
             <a:endParaRPr lang="ko-KR" altLang="en-US"/>
           </a:p>
@@ -815,7 +815,7 @@
           <a:p>
             <a:fld id="{47B96A34-AEF8-40E7-AE80-A7B27F113FFA}" type="datetimeFigureOut">
               <a:rPr lang="ko-KR" altLang="en-US" smtClean="0"/>
-              <a:t>2024-04-08</a:t>
+              <a:t>2024-04-09</a:t>
             </a:fld>
             <a:endParaRPr lang="ko-KR" altLang="en-US"/>
           </a:p>
@@ -1023,7 +1023,7 @@
           <a:p>
             <a:fld id="{47B96A34-AEF8-40E7-AE80-A7B27F113FFA}" type="datetimeFigureOut">
               <a:rPr lang="ko-KR" altLang="en-US" smtClean="0"/>
-              <a:t>2024-04-08</a:t>
+              <a:t>2024-04-09</a:t>
             </a:fld>
             <a:endParaRPr lang="ko-KR" altLang="en-US"/>
           </a:p>
@@ -1221,7 +1221,7 @@
           <a:p>
             <a:fld id="{47B96A34-AEF8-40E7-AE80-A7B27F113FFA}" type="datetimeFigureOut">
               <a:rPr lang="ko-KR" altLang="en-US" smtClean="0"/>
-              <a:t>2024-04-08</a:t>
+              <a:t>2024-04-09</a:t>
             </a:fld>
             <a:endParaRPr lang="ko-KR" altLang="en-US"/>
           </a:p>
@@ -1496,7 +1496,7 @@
           <a:p>
             <a:fld id="{47B96A34-AEF8-40E7-AE80-A7B27F113FFA}" type="datetimeFigureOut">
               <a:rPr lang="ko-KR" altLang="en-US" smtClean="0"/>
-              <a:t>2024-04-08</a:t>
+              <a:t>2024-04-09</a:t>
             </a:fld>
             <a:endParaRPr lang="ko-KR" altLang="en-US"/>
           </a:p>
@@ -1761,7 +1761,7 @@
           <a:p>
             <a:fld id="{47B96A34-AEF8-40E7-AE80-A7B27F113FFA}" type="datetimeFigureOut">
               <a:rPr lang="ko-KR" altLang="en-US" smtClean="0"/>
-              <a:t>2024-04-08</a:t>
+              <a:t>2024-04-09</a:t>
             </a:fld>
             <a:endParaRPr lang="ko-KR" altLang="en-US"/>
           </a:p>
@@ -2173,7 +2173,7 @@
           <a:p>
             <a:fld id="{47B96A34-AEF8-40E7-AE80-A7B27F113FFA}" type="datetimeFigureOut">
               <a:rPr lang="ko-KR" altLang="en-US" smtClean="0"/>
-              <a:t>2024-04-08</a:t>
+              <a:t>2024-04-09</a:t>
             </a:fld>
             <a:endParaRPr lang="ko-KR" altLang="en-US"/>
           </a:p>
@@ -2314,7 +2314,7 @@
           <a:p>
             <a:fld id="{47B96A34-AEF8-40E7-AE80-A7B27F113FFA}" type="datetimeFigureOut">
               <a:rPr lang="ko-KR" altLang="en-US" smtClean="0"/>
-              <a:t>2024-04-08</a:t>
+              <a:t>2024-04-09</a:t>
             </a:fld>
             <a:endParaRPr lang="ko-KR" altLang="en-US"/>
           </a:p>
@@ -2427,7 +2427,7 @@
           <a:p>
             <a:fld id="{47B96A34-AEF8-40E7-AE80-A7B27F113FFA}" type="datetimeFigureOut">
               <a:rPr lang="ko-KR" altLang="en-US" smtClean="0"/>
-              <a:t>2024-04-08</a:t>
+              <a:t>2024-04-09</a:t>
             </a:fld>
             <a:endParaRPr lang="ko-KR" altLang="en-US"/>
           </a:p>
@@ -2738,7 +2738,7 @@
           <a:p>
             <a:fld id="{47B96A34-AEF8-40E7-AE80-A7B27F113FFA}" type="datetimeFigureOut">
               <a:rPr lang="ko-KR" altLang="en-US" smtClean="0"/>
-              <a:t>2024-04-08</a:t>
+              <a:t>2024-04-09</a:t>
             </a:fld>
             <a:endParaRPr lang="ko-KR" altLang="en-US"/>
           </a:p>
@@ -3026,7 +3026,7 @@
           <a:p>
             <a:fld id="{47B96A34-AEF8-40E7-AE80-A7B27F113FFA}" type="datetimeFigureOut">
               <a:rPr lang="ko-KR" altLang="en-US" smtClean="0"/>
-              <a:t>2024-04-08</a:t>
+              <a:t>2024-04-09</a:t>
             </a:fld>
             <a:endParaRPr lang="ko-KR" altLang="en-US"/>
           </a:p>
@@ -3267,7 +3267,7 @@
           <a:p>
             <a:fld id="{47B96A34-AEF8-40E7-AE80-A7B27F113FFA}" type="datetimeFigureOut">
               <a:rPr lang="ko-KR" altLang="en-US" smtClean="0"/>
-              <a:t>2024-04-08</a:t>
+              <a:t>2024-04-09</a:t>
             </a:fld>
             <a:endParaRPr lang="ko-KR" altLang="en-US"/>
           </a:p>
@@ -6451,268 +6451,6 @@
       </p:sp>
       <p:sp>
         <p:nvSpPr>
-          <p:cNvPr id="8" name="TextBox 7">
-            <a:extLst>
-              <a:ext uri="{FF2B5EF4-FFF2-40B4-BE49-F238E27FC236}">
-                <a16:creationId xmlns:a16="http://schemas.microsoft.com/office/drawing/2014/main" id="{6E165485-6527-E914-AF4D-855CBD102422}"/>
-              </a:ext>
-            </a:extLst>
-          </p:cNvPr>
-          <p:cNvSpPr txBox="1"/>
-          <p:nvPr/>
-        </p:nvSpPr>
-        <p:spPr>
-          <a:xfrm>
-            <a:off x="5701793" y="808947"/>
-            <a:ext cx="6327450" cy="5632311"/>
-          </a:xfrm>
-          <a:prstGeom prst="rect">
-            <a:avLst/>
-          </a:prstGeom>
-          <a:noFill/>
-        </p:spPr>
-        <p:txBody>
-          <a:bodyPr wrap="square" rtlCol="0">
-            <a:spAutoFit/>
-          </a:bodyPr>
-          <a:lstStyle/>
-          <a:p>
-            <a:pPr marL="285750" indent="-285750">
-              <a:buFontTx/>
-              <a:buChar char="-"/>
-            </a:pPr>
-            <a:r>
-              <a:rPr lang="ko-KR" altLang="en-US" dirty="0"/>
-              <a:t>전투는 기본적으로 텍스트를 이용하여 상황 정보를 말하는 형식</a:t>
-            </a:r>
-            <a:r>
-              <a:rPr lang="en-US" altLang="ko-KR" dirty="0"/>
-              <a:t>.</a:t>
-            </a:r>
-            <a:r>
-              <a:rPr lang="ko-KR" altLang="en-US" dirty="0"/>
-              <a:t> 본인</a:t>
-            </a:r>
-            <a:r>
-              <a:rPr lang="en-US" altLang="ko-KR" dirty="0"/>
-              <a:t>, </a:t>
-            </a:r>
-            <a:r>
-              <a:rPr lang="ko-KR" altLang="en-US" dirty="0"/>
-              <a:t>동료</a:t>
-            </a:r>
-            <a:r>
-              <a:rPr lang="en-US" altLang="ko-KR" dirty="0"/>
-              <a:t>, </a:t>
-            </a:r>
-            <a:r>
-              <a:rPr lang="ko-KR" altLang="en-US" dirty="0"/>
-              <a:t>적의 행동과 소유하는 특성</a:t>
-            </a:r>
-            <a:r>
-              <a:rPr lang="en-US" altLang="ko-KR" dirty="0"/>
-              <a:t>, </a:t>
-            </a:r>
-            <a:r>
-              <a:rPr lang="ko-KR" altLang="en-US" dirty="0"/>
-              <a:t>수집 요소</a:t>
-            </a:r>
-            <a:r>
-              <a:rPr lang="en-US" altLang="ko-KR" dirty="0"/>
-              <a:t>, </a:t>
-            </a:r>
-            <a:r>
-              <a:rPr lang="ko-KR" altLang="en-US" dirty="0"/>
-              <a:t>지원 요소 등 전투에 영향을 주는 것들을 텍스트로 보여주되</a:t>
-            </a:r>
-            <a:r>
-              <a:rPr lang="en-US" altLang="ko-KR" dirty="0"/>
-              <a:t>, </a:t>
-            </a:r>
-            <a:r>
-              <a:rPr lang="ko-KR" altLang="en-US" dirty="0"/>
-              <a:t>몰입이 가능하도록 조금 더 문학적으로 표현할 것</a:t>
-            </a:r>
-            <a:r>
-              <a:rPr lang="en-US" altLang="ko-KR" dirty="0"/>
-              <a:t>.</a:t>
-            </a:r>
-          </a:p>
-          <a:p>
-            <a:pPr marL="285750" indent="-285750">
-              <a:buFontTx/>
-              <a:buChar char="-"/>
-            </a:pPr>
-            <a:endParaRPr lang="en-US" altLang="ko-KR" dirty="0"/>
-          </a:p>
-          <a:p>
-            <a:pPr marL="285750" indent="-285750">
-              <a:buFontTx/>
-              <a:buChar char="-"/>
-            </a:pPr>
-            <a:r>
-              <a:rPr lang="ko-KR" altLang="en-US" dirty="0"/>
-              <a:t>전투의 승리 여부는 확률로 </a:t>
-            </a:r>
-            <a:r>
-              <a:rPr lang="ko-KR" altLang="en-US" dirty="0" err="1"/>
-              <a:t>정해짐</a:t>
-            </a:r>
-            <a:r>
-              <a:rPr lang="en-US" altLang="ko-KR" dirty="0"/>
-              <a:t>. </a:t>
-            </a:r>
-            <a:r>
-              <a:rPr lang="ko-KR" altLang="en-US" dirty="0"/>
-              <a:t>확률은 유저의 요소들과 적의 요소들을 이용한 증감으로 결정</a:t>
-            </a:r>
-            <a:r>
-              <a:rPr lang="en-US" altLang="ko-KR" dirty="0"/>
-              <a:t>. (Ex. </a:t>
-            </a:r>
-            <a:r>
-              <a:rPr lang="ko-KR" altLang="en-US" dirty="0"/>
-              <a:t>적이 유리한 속성인 경우 </a:t>
-            </a:r>
-            <a:r>
-              <a:rPr lang="en-US" altLang="ko-KR" dirty="0"/>
-              <a:t>20% </a:t>
-            </a:r>
-            <a:r>
-              <a:rPr lang="ko-KR" altLang="en-US" dirty="0"/>
-              <a:t>정도로 시작하되</a:t>
-            </a:r>
-            <a:r>
-              <a:rPr lang="en-US" altLang="ko-KR" dirty="0"/>
-              <a:t>, </a:t>
-            </a:r>
-            <a:r>
-              <a:rPr lang="ko-KR" altLang="en-US" dirty="0"/>
-              <a:t>유저의 근력 </a:t>
-            </a:r>
-            <a:r>
-              <a:rPr lang="ko-KR" altLang="en-US" dirty="0" err="1"/>
-              <a:t>스탯이</a:t>
-            </a:r>
-            <a:r>
-              <a:rPr lang="ko-KR" altLang="en-US" dirty="0"/>
-              <a:t> 압도적으로 높다면 해당 </a:t>
-            </a:r>
-            <a:r>
-              <a:rPr lang="ko-KR" altLang="en-US" dirty="0" err="1"/>
-              <a:t>스탯의</a:t>
-            </a:r>
-            <a:r>
-              <a:rPr lang="ko-KR" altLang="en-US" dirty="0"/>
-              <a:t> 계산법에 따라 일정 퍼센트를 더해 줌</a:t>
-            </a:r>
-            <a:r>
-              <a:rPr lang="en-US" altLang="ko-KR" dirty="0"/>
-              <a:t>.) </a:t>
-            </a:r>
-            <a:r>
-              <a:rPr lang="ko-KR" altLang="en-US" dirty="0"/>
-              <a:t>영향을 미치는 모든 요소를 감안하여 증감이 완료되면 해당 확률을 이용하여 승리 여부를 결정</a:t>
-            </a:r>
-            <a:r>
-              <a:rPr lang="en-US" altLang="ko-KR" dirty="0"/>
-              <a:t>. </a:t>
-            </a:r>
-            <a:r>
-              <a:rPr lang="ko-KR" altLang="en-US" dirty="0"/>
-              <a:t>승리 확률은 </a:t>
-            </a:r>
-            <a:r>
-              <a:rPr lang="en-US" altLang="ko-KR" dirty="0"/>
-              <a:t>100% </a:t>
-            </a:r>
-            <a:r>
-              <a:rPr lang="ko-KR" altLang="en-US" dirty="0"/>
-              <a:t>혹은 </a:t>
-            </a:r>
-            <a:r>
-              <a:rPr lang="en-US" altLang="ko-KR" dirty="0"/>
-              <a:t>0%</a:t>
-            </a:r>
-            <a:r>
-              <a:rPr lang="ko-KR" altLang="en-US" dirty="0"/>
-              <a:t>에 한없이 가깝지만 완전한 승리 혹은 패배는 거의 보장하는 경우가 없도록 설정 할 것</a:t>
-            </a:r>
-            <a:r>
-              <a:rPr lang="en-US" altLang="ko-KR" dirty="0"/>
-              <a:t>. </a:t>
-            </a:r>
-            <a:r>
-              <a:rPr lang="ko-KR" altLang="en-US" dirty="0"/>
-              <a:t>이는 유저로 하여금 아무리 불리하거나 유리한 상황이라도 긴장감을 놓지 않도록 하기 위함</a:t>
-            </a:r>
-            <a:r>
-              <a:rPr lang="en-US" altLang="ko-KR" dirty="0"/>
-              <a:t>. </a:t>
-            </a:r>
-          </a:p>
-          <a:p>
-            <a:pPr marL="285750" indent="-285750">
-              <a:buFontTx/>
-              <a:buChar char="-"/>
-            </a:pPr>
-            <a:endParaRPr lang="en-US" altLang="ko-KR" dirty="0"/>
-          </a:p>
-          <a:p>
-            <a:pPr marL="285750" indent="-285750">
-              <a:buFontTx/>
-              <a:buChar char="-"/>
-            </a:pPr>
-            <a:r>
-              <a:rPr lang="ko-KR" altLang="en-US" dirty="0"/>
-              <a:t>전투의 결과에 따라 수집요소</a:t>
-            </a:r>
-            <a:r>
-              <a:rPr lang="en-US" altLang="ko-KR" dirty="0"/>
-              <a:t>, </a:t>
-            </a:r>
-            <a:r>
-              <a:rPr lang="ko-KR" altLang="en-US" dirty="0"/>
-              <a:t>동료</a:t>
-            </a:r>
-            <a:r>
-              <a:rPr lang="en-US" altLang="ko-KR" dirty="0"/>
-              <a:t>, </a:t>
-            </a:r>
-            <a:r>
-              <a:rPr lang="ko-KR" altLang="en-US" dirty="0" err="1"/>
-              <a:t>스탯</a:t>
-            </a:r>
-            <a:r>
-              <a:rPr lang="ko-KR" altLang="en-US" dirty="0"/>
-              <a:t> 증감 등의 전리품 혹은 손해를 입게 됨</a:t>
-            </a:r>
-            <a:r>
-              <a:rPr lang="en-US" altLang="ko-KR" dirty="0"/>
-              <a:t>. </a:t>
-            </a:r>
-            <a:r>
-              <a:rPr lang="ko-KR" altLang="en-US" dirty="0"/>
-              <a:t>육성 방향에 어떤 </a:t>
-            </a:r>
-            <a:r>
-              <a:rPr lang="ko-KR" altLang="en-US" dirty="0" err="1"/>
-              <a:t>방식으로든</a:t>
-            </a:r>
-            <a:r>
-              <a:rPr lang="ko-KR" altLang="en-US" dirty="0"/>
-              <a:t> 영향을 끼칠 것</a:t>
-            </a:r>
-            <a:r>
-              <a:rPr lang="en-US" altLang="ko-KR" dirty="0"/>
-              <a:t>.</a:t>
-            </a:r>
-            <a:endParaRPr lang="ko-KR" altLang="en-US" dirty="0"/>
-          </a:p>
-        </p:txBody>
-      </p:sp>
-      <p:sp>
-        <p:nvSpPr>
           <p:cNvPr id="12" name="직사각형 11">
             <a:extLst>
               <a:ext uri="{FF2B5EF4-FFF2-40B4-BE49-F238E27FC236}">
@@ -6725,8 +6463,8 @@
         </p:nvSpPr>
         <p:spPr>
           <a:xfrm>
-            <a:off x="346228" y="1137138"/>
-            <a:ext cx="4758431" cy="2902202"/>
+            <a:off x="346228" y="1137137"/>
+            <a:ext cx="11415466" cy="5281247"/>
           </a:xfrm>
           <a:prstGeom prst="rect">
             <a:avLst/>
@@ -6769,13 +6507,15 @@
               </a:ext>
             </a:extLst>
           </p:cNvPr>
-          <p:cNvCxnSpPr/>
+          <p:cNvCxnSpPr>
+            <a:cxnSpLocks/>
+          </p:cNvCxnSpPr>
           <p:nvPr/>
         </p:nvCxnSpPr>
         <p:spPr>
           <a:xfrm>
-            <a:off x="726831" y="3387969"/>
-            <a:ext cx="4003431" cy="0"/>
+            <a:off x="1267498" y="4894040"/>
+            <a:ext cx="9604223" cy="0"/>
           </a:xfrm>
           <a:prstGeom prst="line">
             <a:avLst/>
@@ -6815,8 +6555,8 @@
         </p:nvSpPr>
         <p:spPr>
           <a:xfrm>
-            <a:off x="778296" y="3485341"/>
-            <a:ext cx="1163320" cy="320701"/>
+            <a:off x="1220762" y="5364416"/>
+            <a:ext cx="2790802" cy="583592"/>
           </a:xfrm>
           <a:prstGeom prst="rect">
             <a:avLst/>
@@ -6873,8 +6613,8 @@
         </p:nvSpPr>
         <p:spPr>
           <a:xfrm>
-            <a:off x="3448265" y="3485341"/>
-            <a:ext cx="1163320" cy="320701"/>
+            <a:off x="8180438" y="5364416"/>
+            <a:ext cx="2790802" cy="583592"/>
           </a:xfrm>
           <a:prstGeom prst="rect">
             <a:avLst/>
@@ -6952,8 +6692,8 @@
         </p:nvSpPr>
         <p:spPr>
           <a:xfrm>
-            <a:off x="778296" y="1341912"/>
-            <a:ext cx="3833289" cy="646331"/>
+            <a:off x="1220762" y="1503276"/>
+            <a:ext cx="1423826" cy="507831"/>
           </a:xfrm>
           <a:prstGeom prst="rect">
             <a:avLst/>
@@ -6968,7 +6708,7 @@
           <a:p>
             <a:r>
               <a:rPr lang="ko-KR" altLang="en-US" sz="900" dirty="0"/>
-              <a:t>적의 공격              </a:t>
+              <a:t>적의 공격 </a:t>
             </a:r>
             <a:r>
               <a:rPr lang="en-US" altLang="ko-KR" sz="900" dirty="0"/>
@@ -6976,20 +6716,6 @@
             </a:r>
             <a:r>
               <a:rPr lang="ko-KR" altLang="en-US" sz="900" dirty="0"/>
-              <a:t>지능이 높은 경우 확률의 증감을 볼 수 있음</a:t>
-            </a:r>
-            <a:r>
-              <a:rPr lang="en-US" altLang="ko-KR" sz="900" dirty="0"/>
-              <a:t>) -8%</a:t>
-            </a:r>
-          </a:p>
-          <a:p>
-            <a:r>
-              <a:rPr lang="en-US" altLang="ko-KR" sz="900" dirty="0"/>
-              <a:t>(</a:t>
-            </a:r>
-            <a:r>
-              <a:rPr lang="ko-KR" altLang="en-US" sz="900" dirty="0"/>
               <a:t>유저</a:t>
             </a:r>
             <a:r>
@@ -6998,12 +6724,9 @@
             </a:r>
             <a:r>
               <a:rPr lang="ko-KR" altLang="en-US" sz="900" dirty="0"/>
-              <a:t>의 공격                                                                   </a:t>
-            </a:r>
-            <a:r>
-              <a:rPr lang="en-US" altLang="ko-KR" sz="900" dirty="0"/>
-              <a:t>+10%</a:t>
-            </a:r>
+              <a:t>의 공격      </a:t>
+            </a:r>
+            <a:endParaRPr lang="en-US" altLang="ko-KR" sz="900" dirty="0"/>
           </a:p>
           <a:p>
             <a:r>
@@ -7015,15 +6738,7 @@
           <a:p>
             <a:r>
               <a:rPr lang="en-US" altLang="ko-KR" sz="900" dirty="0"/>
-              <a:t>….                                                                            </a:t>
-            </a:r>
-            <a:r>
-              <a:rPr lang="ko-KR" altLang="en-US" sz="900" dirty="0"/>
-              <a:t>최종</a:t>
-            </a:r>
-            <a:r>
-              <a:rPr lang="en-US" altLang="ko-KR" sz="900" dirty="0"/>
-              <a:t>: 58%</a:t>
+              <a:t>….                                                                      </a:t>
             </a:r>
             <a:endParaRPr lang="ko-KR" altLang="en-US" sz="900" dirty="0"/>
           </a:p>
@@ -7031,10 +6746,10 @@
       </p:sp>
       <p:sp>
         <p:nvSpPr>
-          <p:cNvPr id="21" name="TextBox 20">
-            <a:extLst>
-              <a:ext uri="{FF2B5EF4-FFF2-40B4-BE49-F238E27FC236}">
-                <a16:creationId xmlns:a16="http://schemas.microsoft.com/office/drawing/2014/main" id="{3AF5F9C3-B630-C28E-AC2F-C503A5850B90}"/>
+          <p:cNvPr id="3" name="TextBox 2">
+            <a:extLst>
+              <a:ext uri="{FF2B5EF4-FFF2-40B4-BE49-F238E27FC236}">
+                <a16:creationId xmlns:a16="http://schemas.microsoft.com/office/drawing/2014/main" id="{E3429319-54FA-389D-2FAC-FC4FE5B9EE10}"/>
               </a:ext>
             </a:extLst>
           </p:cNvPr>
@@ -7043,8 +6758,77 @@
         </p:nvSpPr>
         <p:spPr>
           <a:xfrm>
-            <a:off x="445325" y="4303225"/>
-            <a:ext cx="4659334" cy="1200329"/>
+            <a:off x="7628965" y="1539136"/>
+            <a:ext cx="3031599" cy="1107996"/>
+          </a:xfrm>
+          <a:prstGeom prst="rect">
+            <a:avLst/>
+          </a:prstGeom>
+          <a:noFill/>
+        </p:spPr>
+        <p:txBody>
+          <a:bodyPr wrap="none" rtlCol="0">
+            <a:spAutoFit/>
+          </a:bodyPr>
+          <a:lstStyle/>
+          <a:p>
+            <a:r>
+              <a:rPr lang="en-US" altLang="ko-KR" sz="1000" dirty="0"/>
+              <a:t>(</a:t>
+            </a:r>
+            <a:r>
+              <a:rPr lang="ko-KR" altLang="en-US" sz="1000" dirty="0"/>
+              <a:t>지능이 높은 경우 확률의 증감을 볼 수 있음</a:t>
+            </a:r>
+            <a:r>
+              <a:rPr lang="en-US" altLang="ko-KR" sz="1000" dirty="0"/>
+              <a:t>) -8%</a:t>
+            </a:r>
+          </a:p>
+          <a:p>
+            <a:r>
+              <a:rPr lang="en-US" altLang="ko-KR" sz="1000" dirty="0"/>
+              <a:t>+10%</a:t>
+            </a:r>
+          </a:p>
+          <a:p>
+            <a:r>
+              <a:rPr lang="en-US" altLang="ko-KR" sz="1000" dirty="0"/>
+              <a:t> </a:t>
+            </a:r>
+            <a:r>
+              <a:rPr lang="ko-KR" altLang="en-US" sz="1000" dirty="0"/>
+              <a:t>최종</a:t>
+            </a:r>
+            <a:r>
+              <a:rPr lang="en-US" altLang="ko-KR" sz="1000" dirty="0"/>
+              <a:t>: 58%</a:t>
+            </a:r>
+          </a:p>
+          <a:p>
+            <a:endParaRPr lang="en-US" altLang="ko-KR" sz="1800" dirty="0"/>
+          </a:p>
+          <a:p>
+            <a:endParaRPr lang="ko-KR" altLang="en-US" dirty="0"/>
+          </a:p>
+        </p:txBody>
+      </p:sp>
+      <p:sp>
+        <p:nvSpPr>
+          <p:cNvPr id="4" name="TextBox 3">
+            <a:extLst>
+              <a:ext uri="{FF2B5EF4-FFF2-40B4-BE49-F238E27FC236}">
+                <a16:creationId xmlns:a16="http://schemas.microsoft.com/office/drawing/2014/main" id="{4FB4B99C-D1A0-E8F8-ABE8-E2E7008511F7}"/>
+              </a:ext>
+            </a:extLst>
+          </p:cNvPr>
+          <p:cNvSpPr txBox="1"/>
+          <p:nvPr/>
+        </p:nvSpPr>
+        <p:spPr>
+          <a:xfrm>
+            <a:off x="4204446" y="3401254"/>
+            <a:ext cx="2877671" cy="369332"/>
           </a:xfrm>
           <a:prstGeom prst="rect">
             <a:avLst/>
@@ -7057,27 +6841,61 @@
           </a:bodyPr>
           <a:lstStyle/>
           <a:p>
-            <a:r>
-              <a:rPr lang="en-US" altLang="ko-KR" dirty="0"/>
-              <a:t>- </a:t>
-            </a:r>
-            <a:r>
-              <a:rPr lang="ko-KR" altLang="en-US" dirty="0"/>
-              <a:t>밑에 공개되는 선택지들의 경우 전투에 영향을 미칠 수 있는 스킬 혹은 추가 자원 등을 유저의 판단에 따라 발동 시킬지 등의 기능인데</a:t>
-            </a:r>
-            <a:r>
-              <a:rPr lang="en-US" altLang="ko-KR" dirty="0"/>
+            <a:pPr marL="171450" indent="-171450">
+              <a:buFontTx/>
+              <a:buChar char="-"/>
+            </a:pPr>
+            <a:r>
+              <a:rPr lang="en-US" altLang="ko-KR" sz="900" dirty="0"/>
+              <a:t>(</a:t>
+            </a:r>
+            <a:r>
+              <a:rPr lang="ko-KR" altLang="en-US" sz="900" dirty="0"/>
+              <a:t>존재한다면</a:t>
+            </a:r>
+            <a:r>
+              <a:rPr lang="en-US" altLang="ko-KR" sz="900" dirty="0"/>
+              <a:t>) </a:t>
+            </a:r>
+            <a:r>
+              <a:rPr lang="ko-KR" altLang="en-US" sz="900" dirty="0"/>
+              <a:t>각 </a:t>
+            </a:r>
+            <a:r>
+              <a:rPr lang="ko-KR" altLang="en-US" sz="900" dirty="0" err="1"/>
+              <a:t>문구별</a:t>
+            </a:r>
+            <a:r>
+              <a:rPr lang="ko-KR" altLang="en-US" sz="900" dirty="0"/>
+              <a:t> 애니메이션 출력</a:t>
+            </a:r>
+            <a:endParaRPr lang="en-US" altLang="ko-KR" sz="900" dirty="0"/>
+          </a:p>
+          <a:p>
+            <a:pPr marL="171450" indent="-171450">
+              <a:buFontTx/>
+              <a:buChar char="-"/>
+            </a:pPr>
+            <a:r>
+              <a:rPr lang="ko-KR" altLang="en-US" sz="900" dirty="0"/>
+              <a:t>폰트</a:t>
+            </a:r>
+            <a:r>
+              <a:rPr lang="en-US" altLang="ko-KR" sz="900" dirty="0"/>
               <a:t>, </a:t>
             </a:r>
             <a:r>
-              <a:rPr lang="ko-KR" altLang="en-US" dirty="0"/>
-              <a:t>이는 아직 추가할지 모름</a:t>
-            </a:r>
-            <a:r>
-              <a:rPr lang="en-US" altLang="ko-KR" dirty="0"/>
-              <a:t>.</a:t>
-            </a:r>
-            <a:endParaRPr lang="ko-KR" altLang="en-US" dirty="0"/>
+              <a:rPr lang="ko-KR" altLang="en-US" sz="900" dirty="0"/>
+              <a:t>색깔</a:t>
+            </a:r>
+            <a:r>
+              <a:rPr lang="en-US" altLang="ko-KR" sz="900" dirty="0"/>
+              <a:t>, </a:t>
+            </a:r>
+            <a:r>
+              <a:rPr lang="ko-KR" altLang="en-US" sz="900" dirty="0"/>
+              <a:t>크기 등도 필요시 변화를 주기</a:t>
+            </a:r>
           </a:p>
         </p:txBody>
       </p:sp>

--- a/UI.pptx
+++ b/UI.pptx
@@ -5,7 +5,7 @@
     <p:sldMasterId id="2147483648" r:id="rId1"/>
   </p:sldMasterIdLst>
   <p:notesMasterIdLst>
-    <p:notesMasterId r:id="rId9"/>
+    <p:notesMasterId r:id="rId10"/>
   </p:notesMasterIdLst>
   <p:sldIdLst>
     <p:sldId id="256" r:id="rId2"/>
@@ -15,6 +15,7 @@
     <p:sldId id="261" r:id="rId6"/>
     <p:sldId id="262" r:id="rId7"/>
     <p:sldId id="264" r:id="rId8"/>
+    <p:sldId id="268" r:id="rId9"/>
   </p:sldIdLst>
   <p:sldSz cx="12192000" cy="6858000"/>
   <p:notesSz cx="6858000" cy="9144000"/>
@@ -203,7 +204,7 @@
           <a:p>
             <a:fld id="{A86A007C-C903-4EF0-BE94-3182177B8484}" type="datetimeFigureOut">
               <a:rPr lang="ko-KR" altLang="en-US" smtClean="0"/>
-              <a:t>2024-04-09</a:t>
+              <a:t>2024-04-12</a:t>
             </a:fld>
             <a:endParaRPr lang="ko-KR" altLang="en-US"/>
           </a:p>
@@ -617,7 +618,7 @@
           <a:p>
             <a:fld id="{47B96A34-AEF8-40E7-AE80-A7B27F113FFA}" type="datetimeFigureOut">
               <a:rPr lang="ko-KR" altLang="en-US" smtClean="0"/>
-              <a:t>2024-04-09</a:t>
+              <a:t>2024-04-12</a:t>
             </a:fld>
             <a:endParaRPr lang="ko-KR" altLang="en-US"/>
           </a:p>
@@ -815,7 +816,7 @@
           <a:p>
             <a:fld id="{47B96A34-AEF8-40E7-AE80-A7B27F113FFA}" type="datetimeFigureOut">
               <a:rPr lang="ko-KR" altLang="en-US" smtClean="0"/>
-              <a:t>2024-04-09</a:t>
+              <a:t>2024-04-12</a:t>
             </a:fld>
             <a:endParaRPr lang="ko-KR" altLang="en-US"/>
           </a:p>
@@ -1023,7 +1024,7 @@
           <a:p>
             <a:fld id="{47B96A34-AEF8-40E7-AE80-A7B27F113FFA}" type="datetimeFigureOut">
               <a:rPr lang="ko-KR" altLang="en-US" smtClean="0"/>
-              <a:t>2024-04-09</a:t>
+              <a:t>2024-04-12</a:t>
             </a:fld>
             <a:endParaRPr lang="ko-KR" altLang="en-US"/>
           </a:p>
@@ -1221,7 +1222,7 @@
           <a:p>
             <a:fld id="{47B96A34-AEF8-40E7-AE80-A7B27F113FFA}" type="datetimeFigureOut">
               <a:rPr lang="ko-KR" altLang="en-US" smtClean="0"/>
-              <a:t>2024-04-09</a:t>
+              <a:t>2024-04-12</a:t>
             </a:fld>
             <a:endParaRPr lang="ko-KR" altLang="en-US"/>
           </a:p>
@@ -1496,7 +1497,7 @@
           <a:p>
             <a:fld id="{47B96A34-AEF8-40E7-AE80-A7B27F113FFA}" type="datetimeFigureOut">
               <a:rPr lang="ko-KR" altLang="en-US" smtClean="0"/>
-              <a:t>2024-04-09</a:t>
+              <a:t>2024-04-12</a:t>
             </a:fld>
             <a:endParaRPr lang="ko-KR" altLang="en-US"/>
           </a:p>
@@ -1761,7 +1762,7 @@
           <a:p>
             <a:fld id="{47B96A34-AEF8-40E7-AE80-A7B27F113FFA}" type="datetimeFigureOut">
               <a:rPr lang="ko-KR" altLang="en-US" smtClean="0"/>
-              <a:t>2024-04-09</a:t>
+              <a:t>2024-04-12</a:t>
             </a:fld>
             <a:endParaRPr lang="ko-KR" altLang="en-US"/>
           </a:p>
@@ -2173,7 +2174,7 @@
           <a:p>
             <a:fld id="{47B96A34-AEF8-40E7-AE80-A7B27F113FFA}" type="datetimeFigureOut">
               <a:rPr lang="ko-KR" altLang="en-US" smtClean="0"/>
-              <a:t>2024-04-09</a:t>
+              <a:t>2024-04-12</a:t>
             </a:fld>
             <a:endParaRPr lang="ko-KR" altLang="en-US"/>
           </a:p>
@@ -2314,7 +2315,7 @@
           <a:p>
             <a:fld id="{47B96A34-AEF8-40E7-AE80-A7B27F113FFA}" type="datetimeFigureOut">
               <a:rPr lang="ko-KR" altLang="en-US" smtClean="0"/>
-              <a:t>2024-04-09</a:t>
+              <a:t>2024-04-12</a:t>
             </a:fld>
             <a:endParaRPr lang="ko-KR" altLang="en-US"/>
           </a:p>
@@ -2427,7 +2428,7 @@
           <a:p>
             <a:fld id="{47B96A34-AEF8-40E7-AE80-A7B27F113FFA}" type="datetimeFigureOut">
               <a:rPr lang="ko-KR" altLang="en-US" smtClean="0"/>
-              <a:t>2024-04-09</a:t>
+              <a:t>2024-04-12</a:t>
             </a:fld>
             <a:endParaRPr lang="ko-KR" altLang="en-US"/>
           </a:p>
@@ -2738,7 +2739,7 @@
           <a:p>
             <a:fld id="{47B96A34-AEF8-40E7-AE80-A7B27F113FFA}" type="datetimeFigureOut">
               <a:rPr lang="ko-KR" altLang="en-US" smtClean="0"/>
-              <a:t>2024-04-09</a:t>
+              <a:t>2024-04-12</a:t>
             </a:fld>
             <a:endParaRPr lang="ko-KR" altLang="en-US"/>
           </a:p>
@@ -3026,7 +3027,7 @@
           <a:p>
             <a:fld id="{47B96A34-AEF8-40E7-AE80-A7B27F113FFA}" type="datetimeFigureOut">
               <a:rPr lang="ko-KR" altLang="en-US" smtClean="0"/>
-              <a:t>2024-04-09</a:t>
+              <a:t>2024-04-12</a:t>
             </a:fld>
             <a:endParaRPr lang="ko-KR" altLang="en-US"/>
           </a:p>
@@ -3267,7 +3268,7 @@
           <a:p>
             <a:fld id="{47B96A34-AEF8-40E7-AE80-A7B27F113FFA}" type="datetimeFigureOut">
               <a:rPr lang="ko-KR" altLang="en-US" smtClean="0"/>
-              <a:t>2024-04-09</a:t>
+              <a:t>2024-04-12</a:t>
             </a:fld>
             <a:endParaRPr lang="ko-KR" altLang="en-US"/>
           </a:p>
@@ -7581,6 +7582,208 @@
     <p:extLst>
       <p:ext uri="{BB962C8B-B14F-4D97-AF65-F5344CB8AC3E}">
         <p14:creationId xmlns:p14="http://schemas.microsoft.com/office/powerpoint/2010/main" val="2557463820"/>
+      </p:ext>
+    </p:extLst>
+  </p:cSld>
+  <p:clrMapOvr>
+    <a:masterClrMapping/>
+  </p:clrMapOvr>
+</p:sld>
+</file>
+
+<file path=ppt/slides/slide8.xml><?xml version="1.0" encoding="utf-8"?>
+<p:sld xmlns:a="http://schemas.openxmlformats.org/drawingml/2006/main" xmlns:r="http://schemas.openxmlformats.org/officeDocument/2006/relationships" xmlns:p="http://schemas.openxmlformats.org/presentationml/2006/main">
+  <p:cSld>
+    <p:spTree>
+      <p:nvGrpSpPr>
+        <p:cNvPr id="1" name=""/>
+        <p:cNvGrpSpPr/>
+        <p:nvPr/>
+      </p:nvGrpSpPr>
+      <p:grpSpPr>
+        <a:xfrm>
+          <a:off x="0" y="0"/>
+          <a:ext cx="0" cy="0"/>
+          <a:chOff x="0" y="0"/>
+          <a:chExt cx="0" cy="0"/>
+        </a:xfrm>
+      </p:grpSpPr>
+      <p:sp>
+        <p:nvSpPr>
+          <p:cNvPr id="9" name="TextBox 8">
+            <a:extLst>
+              <a:ext uri="{FF2B5EF4-FFF2-40B4-BE49-F238E27FC236}">
+                <a16:creationId xmlns:a16="http://schemas.microsoft.com/office/drawing/2014/main" id="{7C3AEEB5-635B-CC9E-A34E-9221454EB919}"/>
+              </a:ext>
+            </a:extLst>
+          </p:cNvPr>
+          <p:cNvSpPr txBox="1"/>
+          <p:nvPr/>
+        </p:nvSpPr>
+        <p:spPr>
+          <a:xfrm>
+            <a:off x="574431" y="439615"/>
+            <a:ext cx="1651414" cy="369332"/>
+          </a:xfrm>
+          <a:prstGeom prst="rect">
+            <a:avLst/>
+          </a:prstGeom>
+          <a:noFill/>
+        </p:spPr>
+        <p:txBody>
+          <a:bodyPr wrap="none" rtlCol="0">
+            <a:spAutoFit/>
+          </a:bodyPr>
+          <a:lstStyle/>
+          <a:p>
+            <a:r>
+              <a:rPr lang="ko-KR" altLang="en-US" dirty="0" err="1"/>
+              <a:t>아키텍쳐</a:t>
+            </a:r>
+            <a:r>
+              <a:rPr lang="ko-KR" altLang="en-US" dirty="0"/>
+              <a:t> 계획</a:t>
+            </a:r>
+          </a:p>
+        </p:txBody>
+      </p:sp>
+      <p:sp>
+        <p:nvSpPr>
+          <p:cNvPr id="11" name="TextBox 10">
+            <a:extLst>
+              <a:ext uri="{FF2B5EF4-FFF2-40B4-BE49-F238E27FC236}">
+                <a16:creationId xmlns:a16="http://schemas.microsoft.com/office/drawing/2014/main" id="{BE1D231D-2F7F-F83F-96CF-2CDE57F99C49}"/>
+              </a:ext>
+            </a:extLst>
+          </p:cNvPr>
+          <p:cNvSpPr txBox="1"/>
+          <p:nvPr/>
+        </p:nvSpPr>
+        <p:spPr>
+          <a:xfrm>
+            <a:off x="574431" y="894643"/>
+            <a:ext cx="11300894" cy="923330"/>
+          </a:xfrm>
+          <a:prstGeom prst="rect">
+            <a:avLst/>
+          </a:prstGeom>
+          <a:noFill/>
+        </p:spPr>
+        <p:txBody>
+          <a:bodyPr wrap="square" rtlCol="0">
+            <a:spAutoFit/>
+          </a:bodyPr>
+          <a:lstStyle/>
+          <a:p>
+            <a:pPr marL="285750" indent="-285750">
+              <a:buFontTx/>
+              <a:buChar char="-"/>
+            </a:pPr>
+            <a:r>
+              <a:rPr lang="ko-KR" altLang="en-US" dirty="0"/>
+              <a:t>이벤트</a:t>
+            </a:r>
+            <a:r>
+              <a:rPr lang="en-US" altLang="ko-KR" dirty="0"/>
+              <a:t>, </a:t>
+            </a:r>
+            <a:r>
+              <a:rPr lang="ko-KR" altLang="en-US" dirty="0"/>
+              <a:t>보스</a:t>
+            </a:r>
+            <a:r>
+              <a:rPr lang="en-US" altLang="ko-KR" dirty="0"/>
+              <a:t>, </a:t>
+            </a:r>
+            <a:r>
+              <a:rPr lang="ko-KR" altLang="en-US" dirty="0"/>
+              <a:t>적</a:t>
+            </a:r>
+            <a:r>
+              <a:rPr lang="en-US" altLang="ko-KR" dirty="0"/>
+              <a:t>, </a:t>
+            </a:r>
+            <a:r>
+              <a:rPr lang="ko-KR" altLang="en-US" dirty="0"/>
+              <a:t>수집 요소</a:t>
+            </a:r>
+            <a:r>
+              <a:rPr lang="en-US" altLang="ko-KR" dirty="0"/>
+              <a:t>, </a:t>
+            </a:r>
+            <a:r>
+              <a:rPr lang="ko-KR" altLang="en-US" dirty="0"/>
+              <a:t>동료의 경우</a:t>
+            </a:r>
+            <a:r>
+              <a:rPr lang="en-US" altLang="ko-KR" dirty="0"/>
+              <a:t>(</a:t>
+            </a:r>
+            <a:r>
+              <a:rPr lang="ko-KR" altLang="en-US" dirty="0"/>
+              <a:t>무조건으로 </a:t>
+            </a:r>
+            <a:r>
+              <a:rPr lang="ko-KR" altLang="en-US" dirty="0" err="1"/>
+              <a:t>정해져있지</a:t>
+            </a:r>
+            <a:r>
+              <a:rPr lang="ko-KR" altLang="en-US" dirty="0"/>
+              <a:t> 않은 이상</a:t>
+            </a:r>
+            <a:r>
+              <a:rPr lang="en-US" altLang="ko-KR" dirty="0"/>
+              <a:t>)</a:t>
+            </a:r>
+            <a:r>
+              <a:rPr lang="ko-KR" altLang="en-US" dirty="0"/>
+              <a:t> 각 종류별로 나누어 문서로 정리 해 놓는다</a:t>
+            </a:r>
+            <a:r>
+              <a:rPr lang="en-US" altLang="ko-KR" dirty="0"/>
+              <a:t>.</a:t>
+            </a:r>
+          </a:p>
+          <a:p>
+            <a:pPr marL="285750" indent="-285750">
+              <a:buFontTx/>
+              <a:buChar char="-"/>
+            </a:pPr>
+            <a:r>
+              <a:rPr lang="en-US" altLang="ko-KR" dirty="0"/>
+              <a:t>Pick function(</a:t>
+            </a:r>
+            <a:r>
+              <a:rPr lang="ko-KR" altLang="en-US" dirty="0"/>
+              <a:t>어떤 이벤트인지</a:t>
+            </a:r>
+            <a:r>
+              <a:rPr lang="en-US" altLang="ko-KR" dirty="0"/>
+              <a:t>(</a:t>
+            </a:r>
+            <a:r>
+              <a:rPr lang="ko-KR" altLang="en-US" dirty="0"/>
+              <a:t>이벤트</a:t>
+            </a:r>
+            <a:r>
+              <a:rPr lang="en-US" altLang="ko-KR" dirty="0"/>
+              <a:t>,</a:t>
+            </a:r>
+            <a:r>
+              <a:rPr lang="ko-KR" altLang="en-US" dirty="0"/>
+              <a:t>보스 등 어떤 랜덤 상황인지</a:t>
+            </a:r>
+            <a:r>
+              <a:rPr lang="en-US" altLang="ko-KR" dirty="0"/>
+              <a:t>), )</a:t>
+            </a:r>
+          </a:p>
+        </p:txBody>
+      </p:sp>
+    </p:spTree>
+    <p:extLst>
+      <p:ext uri="{BB962C8B-B14F-4D97-AF65-F5344CB8AC3E}">
+        <p14:creationId xmlns:p14="http://schemas.microsoft.com/office/powerpoint/2010/main" val="108578487"/>
       </p:ext>
     </p:extLst>
   </p:cSld>

--- a/UI.pptx
+++ b/UI.pptx
@@ -204,7 +204,7 @@
           <a:p>
             <a:fld id="{A86A007C-C903-4EF0-BE94-3182177B8484}" type="datetimeFigureOut">
               <a:rPr lang="ko-KR" altLang="en-US" smtClean="0"/>
-              <a:t>2024-04-12</a:t>
+              <a:t>2024-04-17</a:t>
             </a:fld>
             <a:endParaRPr lang="ko-KR" altLang="en-US"/>
           </a:p>
@@ -618,7 +618,7 @@
           <a:p>
             <a:fld id="{47B96A34-AEF8-40E7-AE80-A7B27F113FFA}" type="datetimeFigureOut">
               <a:rPr lang="ko-KR" altLang="en-US" smtClean="0"/>
-              <a:t>2024-04-12</a:t>
+              <a:t>2024-04-17</a:t>
             </a:fld>
             <a:endParaRPr lang="ko-KR" altLang="en-US"/>
           </a:p>
@@ -816,7 +816,7 @@
           <a:p>
             <a:fld id="{47B96A34-AEF8-40E7-AE80-A7B27F113FFA}" type="datetimeFigureOut">
               <a:rPr lang="ko-KR" altLang="en-US" smtClean="0"/>
-              <a:t>2024-04-12</a:t>
+              <a:t>2024-04-17</a:t>
             </a:fld>
             <a:endParaRPr lang="ko-KR" altLang="en-US"/>
           </a:p>
@@ -1024,7 +1024,7 @@
           <a:p>
             <a:fld id="{47B96A34-AEF8-40E7-AE80-A7B27F113FFA}" type="datetimeFigureOut">
               <a:rPr lang="ko-KR" altLang="en-US" smtClean="0"/>
-              <a:t>2024-04-12</a:t>
+              <a:t>2024-04-17</a:t>
             </a:fld>
             <a:endParaRPr lang="ko-KR" altLang="en-US"/>
           </a:p>
@@ -1222,7 +1222,7 @@
           <a:p>
             <a:fld id="{47B96A34-AEF8-40E7-AE80-A7B27F113FFA}" type="datetimeFigureOut">
               <a:rPr lang="ko-KR" altLang="en-US" smtClean="0"/>
-              <a:t>2024-04-12</a:t>
+              <a:t>2024-04-17</a:t>
             </a:fld>
             <a:endParaRPr lang="ko-KR" altLang="en-US"/>
           </a:p>
@@ -1497,7 +1497,7 @@
           <a:p>
             <a:fld id="{47B96A34-AEF8-40E7-AE80-A7B27F113FFA}" type="datetimeFigureOut">
               <a:rPr lang="ko-KR" altLang="en-US" smtClean="0"/>
-              <a:t>2024-04-12</a:t>
+              <a:t>2024-04-17</a:t>
             </a:fld>
             <a:endParaRPr lang="ko-KR" altLang="en-US"/>
           </a:p>
@@ -1762,7 +1762,7 @@
           <a:p>
             <a:fld id="{47B96A34-AEF8-40E7-AE80-A7B27F113FFA}" type="datetimeFigureOut">
               <a:rPr lang="ko-KR" altLang="en-US" smtClean="0"/>
-              <a:t>2024-04-12</a:t>
+              <a:t>2024-04-17</a:t>
             </a:fld>
             <a:endParaRPr lang="ko-KR" altLang="en-US"/>
           </a:p>
@@ -2174,7 +2174,7 @@
           <a:p>
             <a:fld id="{47B96A34-AEF8-40E7-AE80-A7B27F113FFA}" type="datetimeFigureOut">
               <a:rPr lang="ko-KR" altLang="en-US" smtClean="0"/>
-              <a:t>2024-04-12</a:t>
+              <a:t>2024-04-17</a:t>
             </a:fld>
             <a:endParaRPr lang="ko-KR" altLang="en-US"/>
           </a:p>
@@ -2315,7 +2315,7 @@
           <a:p>
             <a:fld id="{47B96A34-AEF8-40E7-AE80-A7B27F113FFA}" type="datetimeFigureOut">
               <a:rPr lang="ko-KR" altLang="en-US" smtClean="0"/>
-              <a:t>2024-04-12</a:t>
+              <a:t>2024-04-17</a:t>
             </a:fld>
             <a:endParaRPr lang="ko-KR" altLang="en-US"/>
           </a:p>
@@ -2428,7 +2428,7 @@
           <a:p>
             <a:fld id="{47B96A34-AEF8-40E7-AE80-A7B27F113FFA}" type="datetimeFigureOut">
               <a:rPr lang="ko-KR" altLang="en-US" smtClean="0"/>
-              <a:t>2024-04-12</a:t>
+              <a:t>2024-04-17</a:t>
             </a:fld>
             <a:endParaRPr lang="ko-KR" altLang="en-US"/>
           </a:p>
@@ -2739,7 +2739,7 @@
           <a:p>
             <a:fld id="{47B96A34-AEF8-40E7-AE80-A7B27F113FFA}" type="datetimeFigureOut">
               <a:rPr lang="ko-KR" altLang="en-US" smtClean="0"/>
-              <a:t>2024-04-12</a:t>
+              <a:t>2024-04-17</a:t>
             </a:fld>
             <a:endParaRPr lang="ko-KR" altLang="en-US"/>
           </a:p>
@@ -3027,7 +3027,7 @@
           <a:p>
             <a:fld id="{47B96A34-AEF8-40E7-AE80-A7B27F113FFA}" type="datetimeFigureOut">
               <a:rPr lang="ko-KR" altLang="en-US" smtClean="0"/>
-              <a:t>2024-04-12</a:t>
+              <a:t>2024-04-17</a:t>
             </a:fld>
             <a:endParaRPr lang="ko-KR" altLang="en-US"/>
           </a:p>
@@ -3268,7 +3268,7 @@
           <a:p>
             <a:fld id="{47B96A34-AEF8-40E7-AE80-A7B27F113FFA}" type="datetimeFigureOut">
               <a:rPr lang="ko-KR" altLang="en-US" smtClean="0"/>
-              <a:t>2024-04-12</a:t>
+              <a:t>2024-04-17</a:t>
             </a:fld>
             <a:endParaRPr lang="ko-KR" altLang="en-US"/>
           </a:p>

--- a/UI.pptx
+++ b/UI.pptx
@@ -5,7 +5,7 @@
     <p:sldMasterId id="2147483648" r:id="rId1"/>
   </p:sldMasterIdLst>
   <p:notesMasterIdLst>
-    <p:notesMasterId r:id="rId10"/>
+    <p:notesMasterId r:id="rId9"/>
   </p:notesMasterIdLst>
   <p:sldIdLst>
     <p:sldId id="256" r:id="rId2"/>
@@ -15,7 +15,6 @@
     <p:sldId id="261" r:id="rId6"/>
     <p:sldId id="262" r:id="rId7"/>
     <p:sldId id="264" r:id="rId8"/>
-    <p:sldId id="268" r:id="rId9"/>
   </p:sldIdLst>
   <p:sldSz cx="12192000" cy="6858000"/>
   <p:notesSz cx="6858000" cy="9144000"/>
@@ -7582,208 +7581,6 @@
     <p:extLst>
       <p:ext uri="{BB962C8B-B14F-4D97-AF65-F5344CB8AC3E}">
         <p14:creationId xmlns:p14="http://schemas.microsoft.com/office/powerpoint/2010/main" val="2557463820"/>
-      </p:ext>
-    </p:extLst>
-  </p:cSld>
-  <p:clrMapOvr>
-    <a:masterClrMapping/>
-  </p:clrMapOvr>
-</p:sld>
-</file>
-
-<file path=ppt/slides/slide8.xml><?xml version="1.0" encoding="utf-8"?>
-<p:sld xmlns:a="http://schemas.openxmlformats.org/drawingml/2006/main" xmlns:r="http://schemas.openxmlformats.org/officeDocument/2006/relationships" xmlns:p="http://schemas.openxmlformats.org/presentationml/2006/main">
-  <p:cSld>
-    <p:spTree>
-      <p:nvGrpSpPr>
-        <p:cNvPr id="1" name=""/>
-        <p:cNvGrpSpPr/>
-        <p:nvPr/>
-      </p:nvGrpSpPr>
-      <p:grpSpPr>
-        <a:xfrm>
-          <a:off x="0" y="0"/>
-          <a:ext cx="0" cy="0"/>
-          <a:chOff x="0" y="0"/>
-          <a:chExt cx="0" cy="0"/>
-        </a:xfrm>
-      </p:grpSpPr>
-      <p:sp>
-        <p:nvSpPr>
-          <p:cNvPr id="9" name="TextBox 8">
-            <a:extLst>
-              <a:ext uri="{FF2B5EF4-FFF2-40B4-BE49-F238E27FC236}">
-                <a16:creationId xmlns:a16="http://schemas.microsoft.com/office/drawing/2014/main" id="{7C3AEEB5-635B-CC9E-A34E-9221454EB919}"/>
-              </a:ext>
-            </a:extLst>
-          </p:cNvPr>
-          <p:cNvSpPr txBox="1"/>
-          <p:nvPr/>
-        </p:nvSpPr>
-        <p:spPr>
-          <a:xfrm>
-            <a:off x="574431" y="439615"/>
-            <a:ext cx="1651414" cy="369332"/>
-          </a:xfrm>
-          <a:prstGeom prst="rect">
-            <a:avLst/>
-          </a:prstGeom>
-          <a:noFill/>
-        </p:spPr>
-        <p:txBody>
-          <a:bodyPr wrap="none" rtlCol="0">
-            <a:spAutoFit/>
-          </a:bodyPr>
-          <a:lstStyle/>
-          <a:p>
-            <a:r>
-              <a:rPr lang="ko-KR" altLang="en-US" dirty="0" err="1"/>
-              <a:t>아키텍쳐</a:t>
-            </a:r>
-            <a:r>
-              <a:rPr lang="ko-KR" altLang="en-US" dirty="0"/>
-              <a:t> 계획</a:t>
-            </a:r>
-          </a:p>
-        </p:txBody>
-      </p:sp>
-      <p:sp>
-        <p:nvSpPr>
-          <p:cNvPr id="11" name="TextBox 10">
-            <a:extLst>
-              <a:ext uri="{FF2B5EF4-FFF2-40B4-BE49-F238E27FC236}">
-                <a16:creationId xmlns:a16="http://schemas.microsoft.com/office/drawing/2014/main" id="{BE1D231D-2F7F-F83F-96CF-2CDE57F99C49}"/>
-              </a:ext>
-            </a:extLst>
-          </p:cNvPr>
-          <p:cNvSpPr txBox="1"/>
-          <p:nvPr/>
-        </p:nvSpPr>
-        <p:spPr>
-          <a:xfrm>
-            <a:off x="574431" y="894643"/>
-            <a:ext cx="11300894" cy="923330"/>
-          </a:xfrm>
-          <a:prstGeom prst="rect">
-            <a:avLst/>
-          </a:prstGeom>
-          <a:noFill/>
-        </p:spPr>
-        <p:txBody>
-          <a:bodyPr wrap="square" rtlCol="0">
-            <a:spAutoFit/>
-          </a:bodyPr>
-          <a:lstStyle/>
-          <a:p>
-            <a:pPr marL="285750" indent="-285750">
-              <a:buFontTx/>
-              <a:buChar char="-"/>
-            </a:pPr>
-            <a:r>
-              <a:rPr lang="ko-KR" altLang="en-US" dirty="0"/>
-              <a:t>이벤트</a:t>
-            </a:r>
-            <a:r>
-              <a:rPr lang="en-US" altLang="ko-KR" dirty="0"/>
-              <a:t>, </a:t>
-            </a:r>
-            <a:r>
-              <a:rPr lang="ko-KR" altLang="en-US" dirty="0"/>
-              <a:t>보스</a:t>
-            </a:r>
-            <a:r>
-              <a:rPr lang="en-US" altLang="ko-KR" dirty="0"/>
-              <a:t>, </a:t>
-            </a:r>
-            <a:r>
-              <a:rPr lang="ko-KR" altLang="en-US" dirty="0"/>
-              <a:t>적</a:t>
-            </a:r>
-            <a:r>
-              <a:rPr lang="en-US" altLang="ko-KR" dirty="0"/>
-              <a:t>, </a:t>
-            </a:r>
-            <a:r>
-              <a:rPr lang="ko-KR" altLang="en-US" dirty="0"/>
-              <a:t>수집 요소</a:t>
-            </a:r>
-            <a:r>
-              <a:rPr lang="en-US" altLang="ko-KR" dirty="0"/>
-              <a:t>, </a:t>
-            </a:r>
-            <a:r>
-              <a:rPr lang="ko-KR" altLang="en-US" dirty="0"/>
-              <a:t>동료의 경우</a:t>
-            </a:r>
-            <a:r>
-              <a:rPr lang="en-US" altLang="ko-KR" dirty="0"/>
-              <a:t>(</a:t>
-            </a:r>
-            <a:r>
-              <a:rPr lang="ko-KR" altLang="en-US" dirty="0"/>
-              <a:t>무조건으로 </a:t>
-            </a:r>
-            <a:r>
-              <a:rPr lang="ko-KR" altLang="en-US" dirty="0" err="1"/>
-              <a:t>정해져있지</a:t>
-            </a:r>
-            <a:r>
-              <a:rPr lang="ko-KR" altLang="en-US" dirty="0"/>
-              <a:t> 않은 이상</a:t>
-            </a:r>
-            <a:r>
-              <a:rPr lang="en-US" altLang="ko-KR" dirty="0"/>
-              <a:t>)</a:t>
-            </a:r>
-            <a:r>
-              <a:rPr lang="ko-KR" altLang="en-US" dirty="0"/>
-              <a:t> 각 종류별로 나누어 문서로 정리 해 놓는다</a:t>
-            </a:r>
-            <a:r>
-              <a:rPr lang="en-US" altLang="ko-KR" dirty="0"/>
-              <a:t>.</a:t>
-            </a:r>
-          </a:p>
-          <a:p>
-            <a:pPr marL="285750" indent="-285750">
-              <a:buFontTx/>
-              <a:buChar char="-"/>
-            </a:pPr>
-            <a:r>
-              <a:rPr lang="en-US" altLang="ko-KR" dirty="0"/>
-              <a:t>Pick function(</a:t>
-            </a:r>
-            <a:r>
-              <a:rPr lang="ko-KR" altLang="en-US" dirty="0"/>
-              <a:t>어떤 이벤트인지</a:t>
-            </a:r>
-            <a:r>
-              <a:rPr lang="en-US" altLang="ko-KR" dirty="0"/>
-              <a:t>(</a:t>
-            </a:r>
-            <a:r>
-              <a:rPr lang="ko-KR" altLang="en-US" dirty="0"/>
-              <a:t>이벤트</a:t>
-            </a:r>
-            <a:r>
-              <a:rPr lang="en-US" altLang="ko-KR" dirty="0"/>
-              <a:t>,</a:t>
-            </a:r>
-            <a:r>
-              <a:rPr lang="ko-KR" altLang="en-US" dirty="0"/>
-              <a:t>보스 등 어떤 랜덤 상황인지</a:t>
-            </a:r>
-            <a:r>
-              <a:rPr lang="en-US" altLang="ko-KR" dirty="0"/>
-              <a:t>), )</a:t>
-            </a:r>
-          </a:p>
-        </p:txBody>
-      </p:sp>
-    </p:spTree>
-    <p:extLst>
-      <p:ext uri="{BB962C8B-B14F-4D97-AF65-F5344CB8AC3E}">
-        <p14:creationId xmlns:p14="http://schemas.microsoft.com/office/powerpoint/2010/main" val="108578487"/>
       </p:ext>
     </p:extLst>
   </p:cSld>

--- a/UI.pptx
+++ b/UI.pptx
@@ -203,7 +203,7 @@
           <a:p>
             <a:fld id="{A86A007C-C903-4EF0-BE94-3182177B8484}" type="datetimeFigureOut">
               <a:rPr lang="ko-KR" altLang="en-US" smtClean="0"/>
-              <a:t>2024-04-17</a:t>
+              <a:t>2024-07-13</a:t>
             </a:fld>
             <a:endParaRPr lang="ko-KR" altLang="en-US"/>
           </a:p>
@@ -617,7 +617,7 @@
           <a:p>
             <a:fld id="{47B96A34-AEF8-40E7-AE80-A7B27F113FFA}" type="datetimeFigureOut">
               <a:rPr lang="ko-KR" altLang="en-US" smtClean="0"/>
-              <a:t>2024-04-17</a:t>
+              <a:t>2024-07-13</a:t>
             </a:fld>
             <a:endParaRPr lang="ko-KR" altLang="en-US"/>
           </a:p>
@@ -815,7 +815,7 @@
           <a:p>
             <a:fld id="{47B96A34-AEF8-40E7-AE80-A7B27F113FFA}" type="datetimeFigureOut">
               <a:rPr lang="ko-KR" altLang="en-US" smtClean="0"/>
-              <a:t>2024-04-17</a:t>
+              <a:t>2024-07-13</a:t>
             </a:fld>
             <a:endParaRPr lang="ko-KR" altLang="en-US"/>
           </a:p>
@@ -1023,7 +1023,7 @@
           <a:p>
             <a:fld id="{47B96A34-AEF8-40E7-AE80-A7B27F113FFA}" type="datetimeFigureOut">
               <a:rPr lang="ko-KR" altLang="en-US" smtClean="0"/>
-              <a:t>2024-04-17</a:t>
+              <a:t>2024-07-13</a:t>
             </a:fld>
             <a:endParaRPr lang="ko-KR" altLang="en-US"/>
           </a:p>
@@ -1221,7 +1221,7 @@
           <a:p>
             <a:fld id="{47B96A34-AEF8-40E7-AE80-A7B27F113FFA}" type="datetimeFigureOut">
               <a:rPr lang="ko-KR" altLang="en-US" smtClean="0"/>
-              <a:t>2024-04-17</a:t>
+              <a:t>2024-07-13</a:t>
             </a:fld>
             <a:endParaRPr lang="ko-KR" altLang="en-US"/>
           </a:p>
@@ -1496,7 +1496,7 @@
           <a:p>
             <a:fld id="{47B96A34-AEF8-40E7-AE80-A7B27F113FFA}" type="datetimeFigureOut">
               <a:rPr lang="ko-KR" altLang="en-US" smtClean="0"/>
-              <a:t>2024-04-17</a:t>
+              <a:t>2024-07-13</a:t>
             </a:fld>
             <a:endParaRPr lang="ko-KR" altLang="en-US"/>
           </a:p>
@@ -1761,7 +1761,7 @@
           <a:p>
             <a:fld id="{47B96A34-AEF8-40E7-AE80-A7B27F113FFA}" type="datetimeFigureOut">
               <a:rPr lang="ko-KR" altLang="en-US" smtClean="0"/>
-              <a:t>2024-04-17</a:t>
+              <a:t>2024-07-13</a:t>
             </a:fld>
             <a:endParaRPr lang="ko-KR" altLang="en-US"/>
           </a:p>
@@ -2173,7 +2173,7 @@
           <a:p>
             <a:fld id="{47B96A34-AEF8-40E7-AE80-A7B27F113FFA}" type="datetimeFigureOut">
               <a:rPr lang="ko-KR" altLang="en-US" smtClean="0"/>
-              <a:t>2024-04-17</a:t>
+              <a:t>2024-07-13</a:t>
             </a:fld>
             <a:endParaRPr lang="ko-KR" altLang="en-US"/>
           </a:p>
@@ -2314,7 +2314,7 @@
           <a:p>
             <a:fld id="{47B96A34-AEF8-40E7-AE80-A7B27F113FFA}" type="datetimeFigureOut">
               <a:rPr lang="ko-KR" altLang="en-US" smtClean="0"/>
-              <a:t>2024-04-17</a:t>
+              <a:t>2024-07-13</a:t>
             </a:fld>
             <a:endParaRPr lang="ko-KR" altLang="en-US"/>
           </a:p>
@@ -2427,7 +2427,7 @@
           <a:p>
             <a:fld id="{47B96A34-AEF8-40E7-AE80-A7B27F113FFA}" type="datetimeFigureOut">
               <a:rPr lang="ko-KR" altLang="en-US" smtClean="0"/>
-              <a:t>2024-04-17</a:t>
+              <a:t>2024-07-13</a:t>
             </a:fld>
             <a:endParaRPr lang="ko-KR" altLang="en-US"/>
           </a:p>
@@ -2738,7 +2738,7 @@
           <a:p>
             <a:fld id="{47B96A34-AEF8-40E7-AE80-A7B27F113FFA}" type="datetimeFigureOut">
               <a:rPr lang="ko-KR" altLang="en-US" smtClean="0"/>
-              <a:t>2024-04-17</a:t>
+              <a:t>2024-07-13</a:t>
             </a:fld>
             <a:endParaRPr lang="ko-KR" altLang="en-US"/>
           </a:p>
@@ -3026,7 +3026,7 @@
           <a:p>
             <a:fld id="{47B96A34-AEF8-40E7-AE80-A7B27F113FFA}" type="datetimeFigureOut">
               <a:rPr lang="ko-KR" altLang="en-US" smtClean="0"/>
-              <a:t>2024-04-17</a:t>
+              <a:t>2024-07-13</a:t>
             </a:fld>
             <a:endParaRPr lang="ko-KR" altLang="en-US"/>
           </a:p>
@@ -3267,7 +3267,7 @@
           <a:p>
             <a:fld id="{47B96A34-AEF8-40E7-AE80-A7B27F113FFA}" type="datetimeFigureOut">
               <a:rPr lang="ko-KR" altLang="en-US" smtClean="0"/>
-              <a:t>2024-04-17</a:t>
+              <a:t>2024-07-13</a:t>
             </a:fld>
             <a:endParaRPr lang="ko-KR" altLang="en-US"/>
           </a:p>
